--- a/PPT - FLOOD PREDICTION MODEL (edunet - AICTE GREENSKILL AI INTERNSHIP).pptx
+++ b/PPT - FLOOD PREDICTION MODEL (edunet - AICTE GREENSKILL AI INTERNSHIP).pptx
@@ -266,7 +266,7 @@
       </p15:sldGuideLst>
     </p:ext>
     <p:ext uri="http://customooxmlschemas.google.com/">
-      <go:slidesCustomData xmlns:mc="http://schemas.openxmlformats.org/markup-compatibility/2006" xmlns:mv="urn:schemas-microsoft-com:mac:vml" xmlns:c="http://schemas.openxmlformats.org/drawingml/2006/chart" xmlns:dgm="http://schemas.openxmlformats.org/drawingml/2006/diagram" xmlns:o="urn:schemas-microsoft-com:office:office" xmlns:v="urn:schemas-microsoft-com:vml" xmlns:pvml="urn:schemas-microsoft-com:office:powerpoint" xmlns:com="http://schemas.openxmlformats.org/drawingml/2006/compatibility" xmlns:p14="http://schemas.microsoft.com/office/powerpoint/2010/main" xmlns:p15="http://schemas.microsoft.com/office/powerpoint/2012/main" xmlns:go="http://customooxmlschemas.google.com/" xmlns="" r:id="rId220" roundtripDataSignature="AMtx7miWNY2LB4ETJwrL8F0N+EK9hEhqUQ=="/>
+      <go:slidesCustomData xmlns="" xmlns:go="http://customooxmlschemas.google.com/" xmlns:p15="http://schemas.microsoft.com/office/powerpoint/2012/main" xmlns:p14="http://schemas.microsoft.com/office/powerpoint/2010/main" xmlns:com="http://schemas.openxmlformats.org/drawingml/2006/compatibility" xmlns:pvml="urn:schemas-microsoft-com:office:powerpoint" xmlns:v="urn:schemas-microsoft-com:vml" xmlns:o="urn:schemas-microsoft-com:office:office" xmlns:dgm="http://schemas.openxmlformats.org/drawingml/2006/diagram" xmlns:c="http://schemas.openxmlformats.org/drawingml/2006/chart" xmlns:mv="urn:schemas-microsoft-com:mac:vml" xmlns:mc="http://schemas.openxmlformats.org/markup-compatibility/2006" r:id="rId220" roundtripDataSignature="AMtx7miWNY2LB4ETJwrL8F0N+EK9hEhqUQ=="/>
     </p:ext>
   </p:extLst>
 </p:presentation>
@@ -4092,10 +4092,10 @@
       </p:sp>
       <p:pic>
         <p:nvPicPr>
-          <p:cNvPr id="5" name="Picture 4">
+          <p:cNvPr id="4" name="Picture 3">
             <a:extLst>
               <a:ext uri="{FF2B5EF4-FFF2-40B4-BE49-F238E27FC236}">
-                <a16:creationId xmlns:a16="http://schemas.microsoft.com/office/drawing/2014/main" id="{BE3B1A2A-BF27-4312-8420-2AE649C40FF5}"/>
+                <a16:creationId xmlns:a16="http://schemas.microsoft.com/office/drawing/2014/main" id="{BDD259B5-3F0D-4E8A-AF24-0491558CCBE2}"/>
               </a:ext>
             </a:extLst>
           </p:cNvPr>
@@ -4112,8 +4112,8 @@
         </p:blipFill>
         <p:spPr>
           <a:xfrm>
-            <a:off x="355861" y="3372202"/>
-            <a:ext cx="4625741" cy="3008430"/>
+            <a:off x="7210400" y="3372202"/>
+            <a:ext cx="4625739" cy="3008429"/>
           </a:xfrm>
           <a:prstGeom prst="rect">
             <a:avLst/>
@@ -4122,10 +4122,10 @@
       </p:pic>
       <p:pic>
         <p:nvPicPr>
-          <p:cNvPr id="9" name="Picture 8">
+          <p:cNvPr id="7" name="Picture 6">
             <a:extLst>
               <a:ext uri="{FF2B5EF4-FFF2-40B4-BE49-F238E27FC236}">
-                <a16:creationId xmlns:a16="http://schemas.microsoft.com/office/drawing/2014/main" id="{3D1A9021-EEA3-7FF9-CCFC-E6A0F4BF8BD4}"/>
+                <a16:creationId xmlns:a16="http://schemas.microsoft.com/office/drawing/2014/main" id="{B701828D-1BB4-8C74-0C57-DD7C81EE7672}"/>
               </a:ext>
             </a:extLst>
           </p:cNvPr>
@@ -4142,8 +4142,8 @@
         </p:blipFill>
         <p:spPr>
           <a:xfrm>
-            <a:off x="6867332" y="3372200"/>
-            <a:ext cx="4968808" cy="3008431"/>
+            <a:off x="355862" y="3372201"/>
+            <a:ext cx="4505388" cy="3008429"/>
           </a:xfrm>
           <a:prstGeom prst="rect">
             <a:avLst/>
@@ -4152,10 +4152,10 @@
       </p:pic>
       <p:pic>
         <p:nvPicPr>
-          <p:cNvPr id="15" name="Picture 14">
+          <p:cNvPr id="10" name="Picture 9">
             <a:extLst>
               <a:ext uri="{FF2B5EF4-FFF2-40B4-BE49-F238E27FC236}">
-                <a16:creationId xmlns:a16="http://schemas.microsoft.com/office/drawing/2014/main" id="{7FF52519-DD70-2FB9-9F2D-A83C3610377A}"/>
+                <a16:creationId xmlns:a16="http://schemas.microsoft.com/office/drawing/2014/main" id="{10B48A82-466D-98C0-6DE7-719D62491415}"/>
               </a:ext>
             </a:extLst>
           </p:cNvPr>
@@ -4172,8 +4172,8 @@
         </p:blipFill>
         <p:spPr>
           <a:xfrm>
-            <a:off x="3295573" y="899753"/>
-            <a:ext cx="4968808" cy="1952031"/>
+            <a:off x="3582955" y="809199"/>
+            <a:ext cx="4505388" cy="2087795"/>
           </a:xfrm>
           <a:prstGeom prst="rect">
             <a:avLst/>
